--- a/Presentation/presentation.pptx
+++ b/Presentation/presentation.pptx
@@ -4823,7 +4823,7 @@
         </p:blipFill>
         <p:spPr>
           <a:xfrm>
-            <a:off x="4689225" y="365125"/>
+            <a:off x="4143973" y="365125"/>
             <a:ext cx="6866329" cy="3358934"/>
           </a:xfrm>
         </p:spPr>
@@ -4855,7 +4855,7 @@
         </p:blipFill>
         <p:spPr>
           <a:xfrm>
-            <a:off x="4873840" y="4144608"/>
+            <a:off x="6535956" y="3952515"/>
             <a:ext cx="4474346" cy="2020934"/>
           </a:xfrm>
           <a:prstGeom prst="rect">
@@ -4863,6 +4863,138 @@
           </a:prstGeom>
         </p:spPr>
       </p:pic>
+      <p:sp>
+        <p:nvSpPr>
+          <p:cNvPr id="8" name="Textfeld 7">
+            <a:extLst>
+              <a:ext uri="{FF2B5EF4-FFF2-40B4-BE49-F238E27FC236}">
+                <a16:creationId xmlns:a16="http://schemas.microsoft.com/office/drawing/2014/main" id="{6999B6D8-56FC-2DF4-374B-370B24C6E100}"/>
+              </a:ext>
+            </a:extLst>
+          </p:cNvPr>
+          <p:cNvSpPr txBox="1"/>
+          <p:nvPr/>
+        </p:nvSpPr>
+        <p:spPr>
+          <a:xfrm>
+            <a:off x="1066800" y="1581150"/>
+            <a:ext cx="2733675" cy="1569660"/>
+          </a:xfrm>
+          <a:prstGeom prst="rect">
+            <a:avLst/>
+          </a:prstGeom>
+          <a:noFill/>
+        </p:spPr>
+        <p:txBody>
+          <a:bodyPr wrap="square" rtlCol="0">
+            <a:spAutoFit/>
+          </a:bodyPr>
+          <a:lstStyle/>
+          <a:p>
+            <a:pPr marL="285750" indent="-285750">
+              <a:buFont typeface="Arial" panose="020B0604020202020204" pitchFamily="34" charset="0"/>
+              <a:buChar char="•"/>
+            </a:pPr>
+            <a:r>
+              <a:rPr lang="en-US" sz="2400" dirty="0"/>
+              <a:t>Ghost Boundaries</a:t>
+            </a:r>
+          </a:p>
+          <a:p>
+            <a:pPr marL="285750" indent="-285750">
+              <a:buFont typeface="Arial" panose="020B0604020202020204" pitchFamily="34" charset="0"/>
+              <a:buChar char="•"/>
+            </a:pPr>
+            <a:r>
+              <a:rPr lang="en-US" sz="2400" dirty="0"/>
+              <a:t>Master / Worker, Distributed array, Shared Queue</a:t>
+            </a:r>
+            <a:endParaRPr lang="en-AT" sz="2400" dirty="0"/>
+          </a:p>
+        </p:txBody>
+      </p:sp>
+      <p:sp>
+        <p:nvSpPr>
+          <p:cNvPr id="9" name="Textfeld 8">
+            <a:extLst>
+              <a:ext uri="{FF2B5EF4-FFF2-40B4-BE49-F238E27FC236}">
+                <a16:creationId xmlns:a16="http://schemas.microsoft.com/office/drawing/2014/main" id="{20B8CCDB-AD95-E859-353E-C49051D5532C}"/>
+              </a:ext>
+            </a:extLst>
+          </p:cNvPr>
+          <p:cNvSpPr txBox="1"/>
+          <p:nvPr/>
+        </p:nvSpPr>
+        <p:spPr>
+          <a:xfrm>
+            <a:off x="838200" y="3524250"/>
+            <a:ext cx="5457825" cy="2677656"/>
+          </a:xfrm>
+          <a:prstGeom prst="rect">
+            <a:avLst/>
+          </a:prstGeom>
+          <a:noFill/>
+        </p:spPr>
+        <p:txBody>
+          <a:bodyPr wrap="square" rtlCol="0">
+            <a:spAutoFit/>
+          </a:bodyPr>
+          <a:lstStyle/>
+          <a:p>
+            <a:pPr marL="342900" indent="-342900" algn="l">
+              <a:buFont typeface="Arial" panose="020B0604020202020204" pitchFamily="34" charset="0"/>
+              <a:buChar char="•"/>
+            </a:pPr>
+            <a:r>
+              <a:rPr lang="en-US" sz="2400" dirty="0" err="1"/>
+              <a:t>Nachteile</a:t>
+            </a:r>
+            <a:r>
+              <a:rPr lang="en-US" sz="2400" dirty="0"/>
+              <a:t>:</a:t>
+            </a:r>
+          </a:p>
+          <a:p>
+            <a:pPr marL="800100" lvl="1" indent="-342900">
+              <a:buFont typeface="Arial" panose="020B0604020202020204" pitchFamily="34" charset="0"/>
+              <a:buChar char="•"/>
+            </a:pPr>
+            <a:r>
+              <a:rPr lang="de-DE" sz="2400" dirty="0"/>
+              <a:t>Queues Bottleneck</a:t>
+            </a:r>
+          </a:p>
+          <a:p>
+            <a:pPr marL="800100" lvl="1" indent="-342900">
+              <a:buFont typeface="Arial" panose="020B0604020202020204" pitchFamily="34" charset="0"/>
+              <a:buChar char="•"/>
+            </a:pPr>
+            <a:r>
+              <a:rPr lang="de-DE" sz="2400" dirty="0"/>
+              <a:t>Master hat sehr viel Arbeit (Teile zusammenzuführen, aufteilen und in Queue stecken)</a:t>
+            </a:r>
+          </a:p>
+          <a:p>
+            <a:pPr marL="800100" lvl="1" indent="-342900">
+              <a:buFont typeface="Arial" panose="020B0604020202020204" pitchFamily="34" charset="0"/>
+              <a:buChar char="•"/>
+            </a:pPr>
+            <a:r>
+              <a:rPr lang="de-DE" sz="2400" dirty="0"/>
+              <a:t>2D Array in Vierecke </a:t>
+            </a:r>
+            <a:r>
+              <a:rPr lang="de-DE" sz="2400" dirty="0" err="1"/>
+              <a:t>aufzteilen</a:t>
+            </a:r>
+            <a:r>
+              <a:rPr lang="de-DE" sz="2400" dirty="0"/>
+              <a:t> =&gt; Komplexität</a:t>
+            </a:r>
+            <a:endParaRPr lang="en-AT" sz="2400" dirty="0"/>
+          </a:p>
+        </p:txBody>
+      </p:sp>
     </p:spTree>
     <p:extLst>
       <p:ext uri="{BB962C8B-B14F-4D97-AF65-F5344CB8AC3E}">
